--- a/2 курс/4 семестр/Социальная психология и педагогика/Психология.pptx
+++ b/2 курс/4 семестр/Социальная психология и педагогика/Психология.pptx
@@ -3559,8 +3559,8 @@
         </p:blipFill>
         <p:spPr bwMode="auto">
           <a:xfrm>
-            <a:off x="8767439" y="4087504"/>
-            <a:ext cx="3351774" cy="2681420"/>
+            <a:off x="7660640" y="3202065"/>
+            <a:ext cx="4458573" cy="3566859"/>
           </a:xfrm>
           <a:prstGeom prst="rect">
             <a:avLst/>
@@ -3974,15 +3974,7 @@
             </a:pPr>
             <a:r>
               <a:rPr lang="ru-RU" dirty="0"/>
-              <a:t>Сознательное использование методов самоорганизации, работа над собой, стремление к </a:t>
-            </a:r>
-            <a:r>
-              <a:rPr lang="ru-RU"/>
-              <a:t>самосовершенствованию – ключ </a:t>
-            </a:r>
-            <a:r>
-              <a:rPr lang="ru-RU" dirty="0"/>
-              <a:t>к достижению целей, повышению эффективности деятельности и личностному росту.</a:t>
+              <a:t>Сознательное использование методов самоорганизации, работа над собой, стремление к самосовершенствованию – ключ к достижению целей, повышению эффективности деятельности и личностному росту.</a:t>
             </a:r>
           </a:p>
         </p:txBody>
